--- a/presentation/praesi.pptx
+++ b/presentation/praesi.pptx
@@ -6,8 +6,12 @@
   </p:sldMasterIdLst>
   <p:sldIdLst>
     <p:sldId id="256" r:id="rId2"/>
-    <p:sldId id="257" r:id="rId3"/>
-    <p:sldId id="258" r:id="rId4"/>
+    <p:sldId id="259" r:id="rId3"/>
+    <p:sldId id="261" r:id="rId4"/>
+    <p:sldId id="257" r:id="rId5"/>
+    <p:sldId id="258" r:id="rId6"/>
+    <p:sldId id="262" r:id="rId7"/>
+    <p:sldId id="263" r:id="rId8"/>
   </p:sldIdLst>
   <p:sldSz cx="12192000" cy="6858000"/>
   <p:notesSz cx="6858000" cy="9144000"/>
@@ -261,7 +265,7 @@
           <a:p>
             <a:fld id="{515CC01F-5E3B-4B84-BF10-E18ED149038F}" type="datetimeFigureOut">
               <a:rPr lang="en-US" smtClean="0"/>
-              <a:t>10/17/2018</a:t>
+              <a:t>1/18/2019</a:t>
             </a:fld>
             <a:endParaRPr lang="en-US"/>
           </a:p>
@@ -315,7 +319,7 @@
           <a:p>
             <a:fld id="{28616AAD-E67F-4C01-8248-063DC26999C0}" type="slidenum">
               <a:rPr lang="en-US" smtClean="0"/>
-              <a:t>‹Nr.›</a:t>
+              <a:t>‹#›</a:t>
             </a:fld>
             <a:endParaRPr lang="en-US"/>
           </a:p>
@@ -459,7 +463,7 @@
           <a:p>
             <a:fld id="{515CC01F-5E3B-4B84-BF10-E18ED149038F}" type="datetimeFigureOut">
               <a:rPr lang="en-US" smtClean="0"/>
-              <a:t>10/17/2018</a:t>
+              <a:t>1/18/2019</a:t>
             </a:fld>
             <a:endParaRPr lang="en-US"/>
           </a:p>
@@ -513,7 +517,7 @@
           <a:p>
             <a:fld id="{28616AAD-E67F-4C01-8248-063DC26999C0}" type="slidenum">
               <a:rPr lang="en-US" smtClean="0"/>
-              <a:t>‹Nr.›</a:t>
+              <a:t>‹#›</a:t>
             </a:fld>
             <a:endParaRPr lang="en-US"/>
           </a:p>
@@ -667,7 +671,7 @@
           <a:p>
             <a:fld id="{515CC01F-5E3B-4B84-BF10-E18ED149038F}" type="datetimeFigureOut">
               <a:rPr lang="en-US" smtClean="0"/>
-              <a:t>10/17/2018</a:t>
+              <a:t>1/18/2019</a:t>
             </a:fld>
             <a:endParaRPr lang="en-US"/>
           </a:p>
@@ -721,7 +725,7 @@
           <a:p>
             <a:fld id="{28616AAD-E67F-4C01-8248-063DC26999C0}" type="slidenum">
               <a:rPr lang="en-US" smtClean="0"/>
-              <a:t>‹Nr.›</a:t>
+              <a:t>‹#›</a:t>
             </a:fld>
             <a:endParaRPr lang="en-US"/>
           </a:p>
@@ -865,7 +869,7 @@
           <a:p>
             <a:fld id="{515CC01F-5E3B-4B84-BF10-E18ED149038F}" type="datetimeFigureOut">
               <a:rPr lang="en-US" smtClean="0"/>
-              <a:t>10/17/2018</a:t>
+              <a:t>1/18/2019</a:t>
             </a:fld>
             <a:endParaRPr lang="en-US"/>
           </a:p>
@@ -919,7 +923,7 @@
           <a:p>
             <a:fld id="{28616AAD-E67F-4C01-8248-063DC26999C0}" type="slidenum">
               <a:rPr lang="en-US" smtClean="0"/>
-              <a:t>‹Nr.›</a:t>
+              <a:t>‹#›</a:t>
             </a:fld>
             <a:endParaRPr lang="en-US"/>
           </a:p>
@@ -1140,7 +1144,7 @@
           <a:p>
             <a:fld id="{515CC01F-5E3B-4B84-BF10-E18ED149038F}" type="datetimeFigureOut">
               <a:rPr lang="en-US" smtClean="0"/>
-              <a:t>10/17/2018</a:t>
+              <a:t>1/18/2019</a:t>
             </a:fld>
             <a:endParaRPr lang="en-US"/>
           </a:p>
@@ -1194,7 +1198,7 @@
           <a:p>
             <a:fld id="{28616AAD-E67F-4C01-8248-063DC26999C0}" type="slidenum">
               <a:rPr lang="en-US" smtClean="0"/>
-              <a:t>‹Nr.›</a:t>
+              <a:t>‹#›</a:t>
             </a:fld>
             <a:endParaRPr lang="en-US"/>
           </a:p>
@@ -1405,7 +1409,7 @@
           <a:p>
             <a:fld id="{515CC01F-5E3B-4B84-BF10-E18ED149038F}" type="datetimeFigureOut">
               <a:rPr lang="en-US" smtClean="0"/>
-              <a:t>10/17/2018</a:t>
+              <a:t>1/18/2019</a:t>
             </a:fld>
             <a:endParaRPr lang="en-US"/>
           </a:p>
@@ -1459,7 +1463,7 @@
           <a:p>
             <a:fld id="{28616AAD-E67F-4C01-8248-063DC26999C0}" type="slidenum">
               <a:rPr lang="en-US" smtClean="0"/>
-              <a:t>‹Nr.›</a:t>
+              <a:t>‹#›</a:t>
             </a:fld>
             <a:endParaRPr lang="en-US"/>
           </a:p>
@@ -1817,7 +1821,7 @@
           <a:p>
             <a:fld id="{515CC01F-5E3B-4B84-BF10-E18ED149038F}" type="datetimeFigureOut">
               <a:rPr lang="en-US" smtClean="0"/>
-              <a:t>10/17/2018</a:t>
+              <a:t>1/18/2019</a:t>
             </a:fld>
             <a:endParaRPr lang="en-US"/>
           </a:p>
@@ -1871,7 +1875,7 @@
           <a:p>
             <a:fld id="{28616AAD-E67F-4C01-8248-063DC26999C0}" type="slidenum">
               <a:rPr lang="en-US" smtClean="0"/>
-              <a:t>‹Nr.›</a:t>
+              <a:t>‹#›</a:t>
             </a:fld>
             <a:endParaRPr lang="en-US"/>
           </a:p>
@@ -1958,7 +1962,7 @@
           <a:p>
             <a:fld id="{515CC01F-5E3B-4B84-BF10-E18ED149038F}" type="datetimeFigureOut">
               <a:rPr lang="en-US" smtClean="0"/>
-              <a:t>10/17/2018</a:t>
+              <a:t>1/18/2019</a:t>
             </a:fld>
             <a:endParaRPr lang="en-US"/>
           </a:p>
@@ -2012,7 +2016,7 @@
           <a:p>
             <a:fld id="{28616AAD-E67F-4C01-8248-063DC26999C0}" type="slidenum">
               <a:rPr lang="en-US" smtClean="0"/>
-              <a:t>‹Nr.›</a:t>
+              <a:t>‹#›</a:t>
             </a:fld>
             <a:endParaRPr lang="en-US"/>
           </a:p>
@@ -2071,7 +2075,7 @@
           <a:p>
             <a:fld id="{515CC01F-5E3B-4B84-BF10-E18ED149038F}" type="datetimeFigureOut">
               <a:rPr lang="en-US" smtClean="0"/>
-              <a:t>10/17/2018</a:t>
+              <a:t>1/18/2019</a:t>
             </a:fld>
             <a:endParaRPr lang="en-US"/>
           </a:p>
@@ -2125,7 +2129,7 @@
           <a:p>
             <a:fld id="{28616AAD-E67F-4C01-8248-063DC26999C0}" type="slidenum">
               <a:rPr lang="en-US" smtClean="0"/>
-              <a:t>‹Nr.›</a:t>
+              <a:t>‹#›</a:t>
             </a:fld>
             <a:endParaRPr lang="en-US"/>
           </a:p>
@@ -2382,7 +2386,7 @@
           <a:p>
             <a:fld id="{515CC01F-5E3B-4B84-BF10-E18ED149038F}" type="datetimeFigureOut">
               <a:rPr lang="en-US" smtClean="0"/>
-              <a:t>10/17/2018</a:t>
+              <a:t>1/18/2019</a:t>
             </a:fld>
             <a:endParaRPr lang="en-US"/>
           </a:p>
@@ -2436,7 +2440,7 @@
           <a:p>
             <a:fld id="{28616AAD-E67F-4C01-8248-063DC26999C0}" type="slidenum">
               <a:rPr lang="en-US" smtClean="0"/>
-              <a:t>‹Nr.›</a:t>
+              <a:t>‹#›</a:t>
             </a:fld>
             <a:endParaRPr lang="en-US"/>
           </a:p>
@@ -2670,7 +2674,7 @@
           <a:p>
             <a:fld id="{515CC01F-5E3B-4B84-BF10-E18ED149038F}" type="datetimeFigureOut">
               <a:rPr lang="en-US" smtClean="0"/>
-              <a:t>10/17/2018</a:t>
+              <a:t>1/18/2019</a:t>
             </a:fld>
             <a:endParaRPr lang="en-US"/>
           </a:p>
@@ -2724,7 +2728,7 @@
           <a:p>
             <a:fld id="{28616AAD-E67F-4C01-8248-063DC26999C0}" type="slidenum">
               <a:rPr lang="en-US" smtClean="0"/>
-              <a:t>‹Nr.›</a:t>
+              <a:t>‹#›</a:t>
             </a:fld>
             <a:endParaRPr lang="en-US"/>
           </a:p>
@@ -2911,7 +2915,7 @@
           <a:p>
             <a:fld id="{515CC01F-5E3B-4B84-BF10-E18ED149038F}" type="datetimeFigureOut">
               <a:rPr lang="en-US" smtClean="0"/>
-              <a:t>10/17/2018</a:t>
+              <a:t>1/18/2019</a:t>
             </a:fld>
             <a:endParaRPr lang="en-US"/>
           </a:p>
@@ -3001,7 +3005,7 @@
           <a:p>
             <a:fld id="{28616AAD-E67F-4C01-8248-063DC26999C0}" type="slidenum">
               <a:rPr lang="en-US" smtClean="0"/>
-              <a:t>‹Nr.›</a:t>
+              <a:t>‹#›</a:t>
             </a:fld>
             <a:endParaRPr lang="en-US"/>
           </a:p>
@@ -3448,6 +3452,220 @@
           <a:chExt cx="0" cy="0"/>
         </a:xfrm>
       </p:grpSpPr>
+      <p:sp>
+        <p:nvSpPr>
+          <p:cNvPr id="2" name="Title 1">
+            <a:extLst>
+              <a:ext uri="{FF2B5EF4-FFF2-40B4-BE49-F238E27FC236}">
+                <a16:creationId xmlns:a16="http://schemas.microsoft.com/office/drawing/2014/main" id="{C697B218-F550-4795-90B7-E1FC28625837}"/>
+              </a:ext>
+            </a:extLst>
+          </p:cNvPr>
+          <p:cNvSpPr>
+            <a:spLocks noGrp="1"/>
+          </p:cNvSpPr>
+          <p:nvPr>
+            <p:ph type="title"/>
+          </p:nvPr>
+        </p:nvSpPr>
+        <p:spPr/>
+        <p:txBody>
+          <a:bodyPr/>
+          <a:lstStyle/>
+          <a:p>
+            <a:r>
+              <a:rPr lang="de-DE" dirty="0"/>
+              <a:t>Agenda</a:t>
+            </a:r>
+          </a:p>
+        </p:txBody>
+      </p:sp>
+      <p:sp>
+        <p:nvSpPr>
+          <p:cNvPr id="3" name="Content Placeholder 2">
+            <a:extLst>
+              <a:ext uri="{FF2B5EF4-FFF2-40B4-BE49-F238E27FC236}">
+                <a16:creationId xmlns:a16="http://schemas.microsoft.com/office/drawing/2014/main" id="{27EB1CB9-42D2-440B-BD39-1F41335AC8C8}"/>
+              </a:ext>
+            </a:extLst>
+          </p:cNvPr>
+          <p:cNvSpPr>
+            <a:spLocks noGrp="1"/>
+          </p:cNvSpPr>
+          <p:nvPr>
+            <p:ph idx="1"/>
+          </p:nvPr>
+        </p:nvSpPr>
+        <p:spPr/>
+        <p:txBody>
+          <a:bodyPr/>
+          <a:lstStyle/>
+          <a:p>
+            <a:r>
+              <a:rPr lang="de-DE" dirty="0"/>
+              <a:t>Rückblick</a:t>
+            </a:r>
+          </a:p>
+          <a:p>
+            <a:r>
+              <a:rPr lang="de-DE" dirty="0"/>
+              <a:t>Jetziger Stand</a:t>
+            </a:r>
+          </a:p>
+          <a:p>
+            <a:r>
+              <a:rPr lang="de-DE" dirty="0"/>
+              <a:t>Software Demo</a:t>
+            </a:r>
+          </a:p>
+          <a:p>
+            <a:endParaRPr lang="de-DE" dirty="0"/>
+          </a:p>
+        </p:txBody>
+      </p:sp>
+    </p:spTree>
+    <p:extLst>
+      <p:ext uri="{BB962C8B-B14F-4D97-AF65-F5344CB8AC3E}">
+        <p14:creationId xmlns:p14="http://schemas.microsoft.com/office/powerpoint/2010/main" val="842053701"/>
+      </p:ext>
+    </p:extLst>
+  </p:cSld>
+  <p:clrMapOvr>
+    <a:masterClrMapping/>
+  </p:clrMapOvr>
+</p:sld>
+</file>
+
+<file path=ppt/slides/slide3.xml><?xml version="1.0" encoding="utf-8"?>
+<p:sld xmlns:a="http://schemas.openxmlformats.org/drawingml/2006/main" xmlns:r="http://schemas.openxmlformats.org/officeDocument/2006/relationships" xmlns:p="http://schemas.openxmlformats.org/presentationml/2006/main">
+  <p:cSld>
+    <p:spTree>
+      <p:nvGrpSpPr>
+        <p:cNvPr id="1" name=""/>
+        <p:cNvGrpSpPr/>
+        <p:nvPr/>
+      </p:nvGrpSpPr>
+      <p:grpSpPr>
+        <a:xfrm>
+          <a:off x="0" y="0"/>
+          <a:ext cx="0" cy="0"/>
+          <a:chOff x="0" y="0"/>
+          <a:chExt cx="0" cy="0"/>
+        </a:xfrm>
+      </p:grpSpPr>
+      <p:sp>
+        <p:nvSpPr>
+          <p:cNvPr id="2" name="Title 1">
+            <a:extLst>
+              <a:ext uri="{FF2B5EF4-FFF2-40B4-BE49-F238E27FC236}">
+                <a16:creationId xmlns:a16="http://schemas.microsoft.com/office/drawing/2014/main" id="{C697B218-F550-4795-90B7-E1FC28625837}"/>
+              </a:ext>
+            </a:extLst>
+          </p:cNvPr>
+          <p:cNvSpPr>
+            <a:spLocks noGrp="1"/>
+          </p:cNvSpPr>
+          <p:nvPr>
+            <p:ph type="title"/>
+          </p:nvPr>
+        </p:nvSpPr>
+        <p:spPr/>
+        <p:txBody>
+          <a:bodyPr/>
+          <a:lstStyle/>
+          <a:p>
+            <a:r>
+              <a:rPr lang="de-DE" dirty="0"/>
+              <a:t>Agenda</a:t>
+            </a:r>
+          </a:p>
+        </p:txBody>
+      </p:sp>
+      <p:sp>
+        <p:nvSpPr>
+          <p:cNvPr id="3" name="Content Placeholder 2">
+            <a:extLst>
+              <a:ext uri="{FF2B5EF4-FFF2-40B4-BE49-F238E27FC236}">
+                <a16:creationId xmlns:a16="http://schemas.microsoft.com/office/drawing/2014/main" id="{27EB1CB9-42D2-440B-BD39-1F41335AC8C8}"/>
+              </a:ext>
+            </a:extLst>
+          </p:cNvPr>
+          <p:cNvSpPr>
+            <a:spLocks noGrp="1"/>
+          </p:cNvSpPr>
+          <p:nvPr>
+            <p:ph idx="1"/>
+          </p:nvPr>
+        </p:nvSpPr>
+        <p:spPr/>
+        <p:txBody>
+          <a:bodyPr/>
+          <a:lstStyle/>
+          <a:p>
+            <a:r>
+              <a:rPr lang="de-DE" dirty="0"/>
+              <a:t>Rückblick</a:t>
+            </a:r>
+          </a:p>
+          <a:p>
+            <a:r>
+              <a:rPr lang="de-DE" dirty="0">
+                <a:solidFill>
+                  <a:schemeClr val="bg1">
+                    <a:lumMod val="65000"/>
+                  </a:schemeClr>
+                </a:solidFill>
+              </a:rPr>
+              <a:t>Jetziger Stand</a:t>
+            </a:r>
+          </a:p>
+          <a:p>
+            <a:r>
+              <a:rPr lang="de-DE" dirty="0">
+                <a:solidFill>
+                  <a:schemeClr val="bg1">
+                    <a:lumMod val="65000"/>
+                  </a:schemeClr>
+                </a:solidFill>
+              </a:rPr>
+              <a:t>Software Demo</a:t>
+            </a:r>
+          </a:p>
+          <a:p>
+            <a:endParaRPr lang="de-DE" dirty="0"/>
+          </a:p>
+        </p:txBody>
+      </p:sp>
+    </p:spTree>
+    <p:extLst>
+      <p:ext uri="{BB962C8B-B14F-4D97-AF65-F5344CB8AC3E}">
+        <p14:creationId xmlns:p14="http://schemas.microsoft.com/office/powerpoint/2010/main" val="2415506916"/>
+      </p:ext>
+    </p:extLst>
+  </p:cSld>
+  <p:clrMapOvr>
+    <a:masterClrMapping/>
+  </p:clrMapOvr>
+</p:sld>
+</file>
+
+<file path=ppt/slides/slide4.xml><?xml version="1.0" encoding="utf-8"?>
+<p:sld xmlns:a="http://schemas.openxmlformats.org/drawingml/2006/main" xmlns:r="http://schemas.openxmlformats.org/officeDocument/2006/relationships" xmlns:p="http://schemas.openxmlformats.org/presentationml/2006/main">
+  <p:cSld>
+    <p:spTree>
+      <p:nvGrpSpPr>
+        <p:cNvPr id="1" name=""/>
+        <p:cNvGrpSpPr/>
+        <p:nvPr/>
+      </p:nvGrpSpPr>
+      <p:grpSpPr>
+        <a:xfrm>
+          <a:off x="0" y="0"/>
+          <a:ext cx="0" cy="0"/>
+          <a:chOff x="0" y="0"/>
+          <a:chExt cx="0" cy="0"/>
+        </a:xfrm>
+      </p:grpSpPr>
       <p:pic>
         <p:nvPicPr>
           <p:cNvPr id="1026" name="Picture 2" descr="Bildergebnis fÃ¼r rfid transponder icon">
@@ -4192,7 +4410,7 @@
 </p:sld>
 </file>
 
-<file path=ppt/slides/slide3.xml><?xml version="1.0" encoding="utf-8"?>
+<file path=ppt/slides/slide5.xml><?xml version="1.0" encoding="utf-8"?>
 <p:sld xmlns:a="http://schemas.openxmlformats.org/drawingml/2006/main" xmlns:r="http://schemas.openxmlformats.org/officeDocument/2006/relationships" xmlns:p="http://schemas.openxmlformats.org/presentationml/2006/main">
   <p:cSld>
     <p:spTree>
@@ -4294,6 +4512,232 @@
     <p:extLst>
       <p:ext uri="{BB962C8B-B14F-4D97-AF65-F5344CB8AC3E}">
         <p14:creationId xmlns:p14="http://schemas.microsoft.com/office/powerpoint/2010/main" val="2569463463"/>
+      </p:ext>
+    </p:extLst>
+  </p:cSld>
+  <p:clrMapOvr>
+    <a:masterClrMapping/>
+  </p:clrMapOvr>
+</p:sld>
+</file>
+
+<file path=ppt/slides/slide6.xml><?xml version="1.0" encoding="utf-8"?>
+<p:sld xmlns:a="http://schemas.openxmlformats.org/drawingml/2006/main" xmlns:r="http://schemas.openxmlformats.org/officeDocument/2006/relationships" xmlns:p="http://schemas.openxmlformats.org/presentationml/2006/main">
+  <p:cSld>
+    <p:spTree>
+      <p:nvGrpSpPr>
+        <p:cNvPr id="1" name=""/>
+        <p:cNvGrpSpPr/>
+        <p:nvPr/>
+      </p:nvGrpSpPr>
+      <p:grpSpPr>
+        <a:xfrm>
+          <a:off x="0" y="0"/>
+          <a:ext cx="0" cy="0"/>
+          <a:chOff x="0" y="0"/>
+          <a:chExt cx="0" cy="0"/>
+        </a:xfrm>
+      </p:grpSpPr>
+      <p:sp>
+        <p:nvSpPr>
+          <p:cNvPr id="2" name="Title 1">
+            <a:extLst>
+              <a:ext uri="{FF2B5EF4-FFF2-40B4-BE49-F238E27FC236}">
+                <a16:creationId xmlns:a16="http://schemas.microsoft.com/office/drawing/2014/main" id="{C697B218-F550-4795-90B7-E1FC28625837}"/>
+              </a:ext>
+            </a:extLst>
+          </p:cNvPr>
+          <p:cNvSpPr>
+            <a:spLocks noGrp="1"/>
+          </p:cNvSpPr>
+          <p:nvPr>
+            <p:ph type="title"/>
+          </p:nvPr>
+        </p:nvSpPr>
+        <p:spPr/>
+        <p:txBody>
+          <a:bodyPr/>
+          <a:lstStyle/>
+          <a:p>
+            <a:r>
+              <a:rPr lang="de-DE" dirty="0"/>
+              <a:t>Agenda</a:t>
+            </a:r>
+          </a:p>
+        </p:txBody>
+      </p:sp>
+      <p:sp>
+        <p:nvSpPr>
+          <p:cNvPr id="3" name="Content Placeholder 2">
+            <a:extLst>
+              <a:ext uri="{FF2B5EF4-FFF2-40B4-BE49-F238E27FC236}">
+                <a16:creationId xmlns:a16="http://schemas.microsoft.com/office/drawing/2014/main" id="{27EB1CB9-42D2-440B-BD39-1F41335AC8C8}"/>
+              </a:ext>
+            </a:extLst>
+          </p:cNvPr>
+          <p:cNvSpPr>
+            <a:spLocks noGrp="1"/>
+          </p:cNvSpPr>
+          <p:nvPr>
+            <p:ph idx="1"/>
+          </p:nvPr>
+        </p:nvSpPr>
+        <p:spPr/>
+        <p:txBody>
+          <a:bodyPr/>
+          <a:lstStyle/>
+          <a:p>
+            <a:r>
+              <a:rPr lang="de-DE" dirty="0">
+                <a:solidFill>
+                  <a:schemeClr val="bg1">
+                    <a:lumMod val="65000"/>
+                  </a:schemeClr>
+                </a:solidFill>
+              </a:rPr>
+              <a:t>Rückblick</a:t>
+            </a:r>
+          </a:p>
+          <a:p>
+            <a:r>
+              <a:rPr lang="de-DE" dirty="0"/>
+              <a:t>Jetziger Stand</a:t>
+            </a:r>
+          </a:p>
+          <a:p>
+            <a:r>
+              <a:rPr lang="de-DE" dirty="0">
+                <a:solidFill>
+                  <a:schemeClr val="bg1">
+                    <a:lumMod val="65000"/>
+                  </a:schemeClr>
+                </a:solidFill>
+              </a:rPr>
+              <a:t>Software Demo</a:t>
+            </a:r>
+          </a:p>
+          <a:p>
+            <a:endParaRPr lang="de-DE" dirty="0"/>
+          </a:p>
+        </p:txBody>
+      </p:sp>
+    </p:spTree>
+    <p:extLst>
+      <p:ext uri="{BB962C8B-B14F-4D97-AF65-F5344CB8AC3E}">
+        <p14:creationId xmlns:p14="http://schemas.microsoft.com/office/powerpoint/2010/main" val="1603525619"/>
+      </p:ext>
+    </p:extLst>
+  </p:cSld>
+  <p:clrMapOvr>
+    <a:masterClrMapping/>
+  </p:clrMapOvr>
+</p:sld>
+</file>
+
+<file path=ppt/slides/slide7.xml><?xml version="1.0" encoding="utf-8"?>
+<p:sld xmlns:a="http://schemas.openxmlformats.org/drawingml/2006/main" xmlns:r="http://schemas.openxmlformats.org/officeDocument/2006/relationships" xmlns:p="http://schemas.openxmlformats.org/presentationml/2006/main">
+  <p:cSld>
+    <p:spTree>
+      <p:nvGrpSpPr>
+        <p:cNvPr id="1" name=""/>
+        <p:cNvGrpSpPr/>
+        <p:nvPr/>
+      </p:nvGrpSpPr>
+      <p:grpSpPr>
+        <a:xfrm>
+          <a:off x="0" y="0"/>
+          <a:ext cx="0" cy="0"/>
+          <a:chOff x="0" y="0"/>
+          <a:chExt cx="0" cy="0"/>
+        </a:xfrm>
+      </p:grpSpPr>
+      <p:sp>
+        <p:nvSpPr>
+          <p:cNvPr id="2" name="Title 1">
+            <a:extLst>
+              <a:ext uri="{FF2B5EF4-FFF2-40B4-BE49-F238E27FC236}">
+                <a16:creationId xmlns:a16="http://schemas.microsoft.com/office/drawing/2014/main" id="{C697B218-F550-4795-90B7-E1FC28625837}"/>
+              </a:ext>
+            </a:extLst>
+          </p:cNvPr>
+          <p:cNvSpPr>
+            <a:spLocks noGrp="1"/>
+          </p:cNvSpPr>
+          <p:nvPr>
+            <p:ph type="title"/>
+          </p:nvPr>
+        </p:nvSpPr>
+        <p:spPr/>
+        <p:txBody>
+          <a:bodyPr/>
+          <a:lstStyle/>
+          <a:p>
+            <a:r>
+              <a:rPr lang="de-DE" dirty="0"/>
+              <a:t>Agenda</a:t>
+            </a:r>
+          </a:p>
+        </p:txBody>
+      </p:sp>
+      <p:sp>
+        <p:nvSpPr>
+          <p:cNvPr id="3" name="Content Placeholder 2">
+            <a:extLst>
+              <a:ext uri="{FF2B5EF4-FFF2-40B4-BE49-F238E27FC236}">
+                <a16:creationId xmlns:a16="http://schemas.microsoft.com/office/drawing/2014/main" id="{27EB1CB9-42D2-440B-BD39-1F41335AC8C8}"/>
+              </a:ext>
+            </a:extLst>
+          </p:cNvPr>
+          <p:cNvSpPr>
+            <a:spLocks noGrp="1"/>
+          </p:cNvSpPr>
+          <p:nvPr>
+            <p:ph idx="1"/>
+          </p:nvPr>
+        </p:nvSpPr>
+        <p:spPr/>
+        <p:txBody>
+          <a:bodyPr/>
+          <a:lstStyle/>
+          <a:p>
+            <a:r>
+              <a:rPr lang="de-DE" dirty="0">
+                <a:solidFill>
+                  <a:schemeClr val="bg1">
+                    <a:lumMod val="65000"/>
+                  </a:schemeClr>
+                </a:solidFill>
+              </a:rPr>
+              <a:t>Rückblick</a:t>
+            </a:r>
+          </a:p>
+          <a:p>
+            <a:r>
+              <a:rPr lang="de-DE" dirty="0">
+                <a:solidFill>
+                  <a:schemeClr val="bg1">
+                    <a:lumMod val="65000"/>
+                  </a:schemeClr>
+                </a:solidFill>
+              </a:rPr>
+              <a:t>Jetziger Stand</a:t>
+            </a:r>
+          </a:p>
+          <a:p>
+            <a:r>
+              <a:rPr lang="de-DE" dirty="0"/>
+              <a:t>Software Demo</a:t>
+            </a:r>
+          </a:p>
+          <a:p>
+            <a:endParaRPr lang="de-DE" dirty="0"/>
+          </a:p>
+        </p:txBody>
+      </p:sp>
+    </p:spTree>
+    <p:extLst>
+      <p:ext uri="{BB962C8B-B14F-4D97-AF65-F5344CB8AC3E}">
+        <p14:creationId xmlns:p14="http://schemas.microsoft.com/office/powerpoint/2010/main" val="3387658504"/>
       </p:ext>
     </p:extLst>
   </p:cSld>

--- a/presentation/praesi.pptx
+++ b/presentation/praesi.pptx
@@ -11,7 +11,9 @@
     <p:sldId id="257" r:id="rId5"/>
     <p:sldId id="258" r:id="rId6"/>
     <p:sldId id="262" r:id="rId7"/>
-    <p:sldId id="263" r:id="rId8"/>
+    <p:sldId id="265" r:id="rId8"/>
+    <p:sldId id="263" r:id="rId9"/>
+    <p:sldId id="264" r:id="rId10"/>
   </p:sldIdLst>
   <p:sldSz cx="12192000" cy="6858000"/>
   <p:notesSz cx="6858000" cy="9144000"/>
@@ -4656,6 +4658,99 @@
           <p:cNvPr id="2" name="Title 1">
             <a:extLst>
               <a:ext uri="{FF2B5EF4-FFF2-40B4-BE49-F238E27FC236}">
+                <a16:creationId xmlns:a16="http://schemas.microsoft.com/office/drawing/2014/main" id="{64A8DD9B-4605-4F83-8065-7C24009B6AC7}"/>
+              </a:ext>
+            </a:extLst>
+          </p:cNvPr>
+          <p:cNvSpPr>
+            <a:spLocks noGrp="1"/>
+          </p:cNvSpPr>
+          <p:nvPr>
+            <p:ph type="title"/>
+          </p:nvPr>
+        </p:nvSpPr>
+        <p:spPr/>
+        <p:txBody>
+          <a:bodyPr/>
+          <a:lstStyle/>
+          <a:p>
+            <a:r>
+              <a:rPr lang="de-DE" dirty="0"/>
+              <a:t>Jetziger Stand</a:t>
+            </a:r>
+          </a:p>
+        </p:txBody>
+      </p:sp>
+      <p:pic>
+        <p:nvPicPr>
+          <p:cNvPr id="5" name="Content Placeholder 4">
+            <a:extLst>
+              <a:ext uri="{FF2B5EF4-FFF2-40B4-BE49-F238E27FC236}">
+                <a16:creationId xmlns:a16="http://schemas.microsoft.com/office/drawing/2014/main" id="{88DA7A33-623C-42BF-BB4D-D885BABDBBDC}"/>
+              </a:ext>
+            </a:extLst>
+          </p:cNvPr>
+          <p:cNvPicPr>
+            <a:picLocks noGrp="1" noChangeAspect="1"/>
+          </p:cNvPicPr>
+          <p:nvPr>
+            <p:ph idx="1"/>
+          </p:nvPr>
+        </p:nvPicPr>
+        <p:blipFill>
+          <a:blip r:embed="rId2">
+            <a:extLst>
+              <a:ext uri="{28A0092B-C50C-407E-A947-70E740481C1C}">
+                <a14:useLocalDpi xmlns:a14="http://schemas.microsoft.com/office/drawing/2010/main" val="0"/>
+              </a:ext>
+            </a:extLst>
+          </a:blip>
+          <a:stretch>
+            <a:fillRect/>
+          </a:stretch>
+        </p:blipFill>
+        <p:spPr>
+          <a:xfrm>
+            <a:off x="2189316" y="1543142"/>
+            <a:ext cx="7813368" cy="5073616"/>
+          </a:xfrm>
+        </p:spPr>
+      </p:pic>
+    </p:spTree>
+    <p:extLst>
+      <p:ext uri="{BB962C8B-B14F-4D97-AF65-F5344CB8AC3E}">
+        <p14:creationId xmlns:p14="http://schemas.microsoft.com/office/powerpoint/2010/main" val="2934065667"/>
+      </p:ext>
+    </p:extLst>
+  </p:cSld>
+  <p:clrMapOvr>
+    <a:masterClrMapping/>
+  </p:clrMapOvr>
+</p:sld>
+</file>
+
+<file path=ppt/slides/slide8.xml><?xml version="1.0" encoding="utf-8"?>
+<p:sld xmlns:a="http://schemas.openxmlformats.org/drawingml/2006/main" xmlns:r="http://schemas.openxmlformats.org/officeDocument/2006/relationships" xmlns:p="http://schemas.openxmlformats.org/presentationml/2006/main">
+  <p:cSld>
+    <p:spTree>
+      <p:nvGrpSpPr>
+        <p:cNvPr id="1" name=""/>
+        <p:cNvGrpSpPr/>
+        <p:nvPr/>
+      </p:nvGrpSpPr>
+      <p:grpSpPr>
+        <a:xfrm>
+          <a:off x="0" y="0"/>
+          <a:ext cx="0" cy="0"/>
+          <a:chOff x="0" y="0"/>
+          <a:chExt cx="0" cy="0"/>
+        </a:xfrm>
+      </p:grpSpPr>
+      <p:sp>
+        <p:nvSpPr>
+          <p:cNvPr id="2" name="Title 1">
+            <a:extLst>
+              <a:ext uri="{FF2B5EF4-FFF2-40B4-BE49-F238E27FC236}">
                 <a16:creationId xmlns:a16="http://schemas.microsoft.com/office/drawing/2014/main" id="{C697B218-F550-4795-90B7-E1FC28625837}"/>
               </a:ext>
             </a:extLst>
@@ -4738,6 +4833,70 @@
     <p:extLst>
       <p:ext uri="{BB962C8B-B14F-4D97-AF65-F5344CB8AC3E}">
         <p14:creationId xmlns:p14="http://schemas.microsoft.com/office/powerpoint/2010/main" val="3387658504"/>
+      </p:ext>
+    </p:extLst>
+  </p:cSld>
+  <p:clrMapOvr>
+    <a:masterClrMapping/>
+  </p:clrMapOvr>
+</p:sld>
+</file>
+
+<file path=ppt/slides/slide9.xml><?xml version="1.0" encoding="utf-8"?>
+<p:sld xmlns:a="http://schemas.openxmlformats.org/drawingml/2006/main" xmlns:r="http://schemas.openxmlformats.org/officeDocument/2006/relationships" xmlns:p="http://schemas.openxmlformats.org/presentationml/2006/main">
+  <p:cSld>
+    <p:spTree>
+      <p:nvGrpSpPr>
+        <p:cNvPr id="1" name=""/>
+        <p:cNvGrpSpPr/>
+        <p:nvPr/>
+      </p:nvGrpSpPr>
+      <p:grpSpPr>
+        <a:xfrm>
+          <a:off x="0" y="0"/>
+          <a:ext cx="0" cy="0"/>
+          <a:chOff x="0" y="0"/>
+          <a:chExt cx="0" cy="0"/>
+        </a:xfrm>
+      </p:grpSpPr>
+      <p:sp>
+        <p:nvSpPr>
+          <p:cNvPr id="4" name="Title 3">
+            <a:extLst>
+              <a:ext uri="{FF2B5EF4-FFF2-40B4-BE49-F238E27FC236}">
+                <a16:creationId xmlns:a16="http://schemas.microsoft.com/office/drawing/2014/main" id="{65D2A829-61A5-4D11-9675-767418496897}"/>
+              </a:ext>
+            </a:extLst>
+          </p:cNvPr>
+          <p:cNvSpPr>
+            <a:spLocks noGrp="1"/>
+          </p:cNvSpPr>
+          <p:nvPr>
+            <p:ph type="title"/>
+          </p:nvPr>
+        </p:nvSpPr>
+        <p:spPr>
+          <a:xfrm>
+            <a:off x="732692" y="2766218"/>
+            <a:ext cx="10515600" cy="1325563"/>
+          </a:xfrm>
+        </p:spPr>
+        <p:txBody>
+          <a:bodyPr/>
+          <a:lstStyle/>
+          <a:p>
+            <a:pPr algn="ctr"/>
+            <a:r>
+              <a:rPr lang="de-DE" dirty="0"/>
+              <a:t>Software Demo</a:t>
+            </a:r>
+          </a:p>
+        </p:txBody>
+      </p:sp>
+    </p:spTree>
+    <p:extLst>
+      <p:ext uri="{BB962C8B-B14F-4D97-AF65-F5344CB8AC3E}">
+        <p14:creationId xmlns:p14="http://schemas.microsoft.com/office/powerpoint/2010/main" val="4070799744"/>
       </p:ext>
     </p:extLst>
   </p:cSld>

--- a/presentation/praesi.pptx
+++ b/presentation/praesi.pptx
@@ -12,8 +12,10 @@
     <p:sldId id="258" r:id="rId6"/>
     <p:sldId id="262" r:id="rId7"/>
     <p:sldId id="265" r:id="rId8"/>
-    <p:sldId id="263" r:id="rId9"/>
-    <p:sldId id="264" r:id="rId10"/>
+    <p:sldId id="268" r:id="rId9"/>
+    <p:sldId id="267" r:id="rId10"/>
+    <p:sldId id="263" r:id="rId11"/>
+    <p:sldId id="264" r:id="rId12"/>
   </p:sldIdLst>
   <p:sldSz cx="12192000" cy="6858000"/>
   <p:notesSz cx="6858000" cy="9144000"/>
@@ -267,7 +269,7 @@
           <a:p>
             <a:fld id="{515CC01F-5E3B-4B84-BF10-E18ED149038F}" type="datetimeFigureOut">
               <a:rPr lang="en-US" smtClean="0"/>
-              <a:t>1/18/2019</a:t>
+              <a:t>1/24/2019</a:t>
             </a:fld>
             <a:endParaRPr lang="en-US"/>
           </a:p>
@@ -465,7 +467,7 @@
           <a:p>
             <a:fld id="{515CC01F-5E3B-4B84-BF10-E18ED149038F}" type="datetimeFigureOut">
               <a:rPr lang="en-US" smtClean="0"/>
-              <a:t>1/18/2019</a:t>
+              <a:t>1/24/2019</a:t>
             </a:fld>
             <a:endParaRPr lang="en-US"/>
           </a:p>
@@ -673,7 +675,7 @@
           <a:p>
             <a:fld id="{515CC01F-5E3B-4B84-BF10-E18ED149038F}" type="datetimeFigureOut">
               <a:rPr lang="en-US" smtClean="0"/>
-              <a:t>1/18/2019</a:t>
+              <a:t>1/24/2019</a:t>
             </a:fld>
             <a:endParaRPr lang="en-US"/>
           </a:p>
@@ -871,7 +873,7 @@
           <a:p>
             <a:fld id="{515CC01F-5E3B-4B84-BF10-E18ED149038F}" type="datetimeFigureOut">
               <a:rPr lang="en-US" smtClean="0"/>
-              <a:t>1/18/2019</a:t>
+              <a:t>1/24/2019</a:t>
             </a:fld>
             <a:endParaRPr lang="en-US"/>
           </a:p>
@@ -1146,7 +1148,7 @@
           <a:p>
             <a:fld id="{515CC01F-5E3B-4B84-BF10-E18ED149038F}" type="datetimeFigureOut">
               <a:rPr lang="en-US" smtClean="0"/>
-              <a:t>1/18/2019</a:t>
+              <a:t>1/24/2019</a:t>
             </a:fld>
             <a:endParaRPr lang="en-US"/>
           </a:p>
@@ -1411,7 +1413,7 @@
           <a:p>
             <a:fld id="{515CC01F-5E3B-4B84-BF10-E18ED149038F}" type="datetimeFigureOut">
               <a:rPr lang="en-US" smtClean="0"/>
-              <a:t>1/18/2019</a:t>
+              <a:t>1/24/2019</a:t>
             </a:fld>
             <a:endParaRPr lang="en-US"/>
           </a:p>
@@ -1823,7 +1825,7 @@
           <a:p>
             <a:fld id="{515CC01F-5E3B-4B84-BF10-E18ED149038F}" type="datetimeFigureOut">
               <a:rPr lang="en-US" smtClean="0"/>
-              <a:t>1/18/2019</a:t>
+              <a:t>1/24/2019</a:t>
             </a:fld>
             <a:endParaRPr lang="en-US"/>
           </a:p>
@@ -1964,7 +1966,7 @@
           <a:p>
             <a:fld id="{515CC01F-5E3B-4B84-BF10-E18ED149038F}" type="datetimeFigureOut">
               <a:rPr lang="en-US" smtClean="0"/>
-              <a:t>1/18/2019</a:t>
+              <a:t>1/24/2019</a:t>
             </a:fld>
             <a:endParaRPr lang="en-US"/>
           </a:p>
@@ -2077,7 +2079,7 @@
           <a:p>
             <a:fld id="{515CC01F-5E3B-4B84-BF10-E18ED149038F}" type="datetimeFigureOut">
               <a:rPr lang="en-US" smtClean="0"/>
-              <a:t>1/18/2019</a:t>
+              <a:t>1/24/2019</a:t>
             </a:fld>
             <a:endParaRPr lang="en-US"/>
           </a:p>
@@ -2388,7 +2390,7 @@
           <a:p>
             <a:fld id="{515CC01F-5E3B-4B84-BF10-E18ED149038F}" type="datetimeFigureOut">
               <a:rPr lang="en-US" smtClean="0"/>
-              <a:t>1/18/2019</a:t>
+              <a:t>1/24/2019</a:t>
             </a:fld>
             <a:endParaRPr lang="en-US"/>
           </a:p>
@@ -2676,7 +2678,7 @@
           <a:p>
             <a:fld id="{515CC01F-5E3B-4B84-BF10-E18ED149038F}" type="datetimeFigureOut">
               <a:rPr lang="en-US" smtClean="0"/>
-              <a:t>1/18/2019</a:t>
+              <a:t>1/24/2019</a:t>
             </a:fld>
             <a:endParaRPr lang="en-US"/>
           </a:p>
@@ -2917,7 +2919,7 @@
           <a:p>
             <a:fld id="{515CC01F-5E3B-4B84-BF10-E18ED149038F}" type="datetimeFigureOut">
               <a:rPr lang="en-US" smtClean="0"/>
-              <a:t>1/18/2019</a:t>
+              <a:t>1/24/2019</a:t>
             </a:fld>
             <a:endParaRPr lang="en-US"/>
           </a:p>
@@ -3437,6 +3439,183 @@
 </p:sld>
 </file>
 
+<file path=ppt/slides/slide10.xml><?xml version="1.0" encoding="utf-8"?>
+<p:sld xmlns:a="http://schemas.openxmlformats.org/drawingml/2006/main" xmlns:r="http://schemas.openxmlformats.org/officeDocument/2006/relationships" xmlns:p="http://schemas.openxmlformats.org/presentationml/2006/main">
+  <p:cSld>
+    <p:spTree>
+      <p:nvGrpSpPr>
+        <p:cNvPr id="1" name=""/>
+        <p:cNvGrpSpPr/>
+        <p:nvPr/>
+      </p:nvGrpSpPr>
+      <p:grpSpPr>
+        <a:xfrm>
+          <a:off x="0" y="0"/>
+          <a:ext cx="0" cy="0"/>
+          <a:chOff x="0" y="0"/>
+          <a:chExt cx="0" cy="0"/>
+        </a:xfrm>
+      </p:grpSpPr>
+      <p:sp>
+        <p:nvSpPr>
+          <p:cNvPr id="2" name="Title 1">
+            <a:extLst>
+              <a:ext uri="{FF2B5EF4-FFF2-40B4-BE49-F238E27FC236}">
+                <a16:creationId xmlns:a16="http://schemas.microsoft.com/office/drawing/2014/main" id="{C697B218-F550-4795-90B7-E1FC28625837}"/>
+              </a:ext>
+            </a:extLst>
+          </p:cNvPr>
+          <p:cNvSpPr>
+            <a:spLocks noGrp="1"/>
+          </p:cNvSpPr>
+          <p:nvPr>
+            <p:ph type="title"/>
+          </p:nvPr>
+        </p:nvSpPr>
+        <p:spPr/>
+        <p:txBody>
+          <a:bodyPr/>
+          <a:lstStyle/>
+          <a:p>
+            <a:r>
+              <a:rPr lang="de-DE" dirty="0"/>
+              <a:t>Agenda</a:t>
+            </a:r>
+          </a:p>
+        </p:txBody>
+      </p:sp>
+      <p:sp>
+        <p:nvSpPr>
+          <p:cNvPr id="3" name="Content Placeholder 2">
+            <a:extLst>
+              <a:ext uri="{FF2B5EF4-FFF2-40B4-BE49-F238E27FC236}">
+                <a16:creationId xmlns:a16="http://schemas.microsoft.com/office/drawing/2014/main" id="{27EB1CB9-42D2-440B-BD39-1F41335AC8C8}"/>
+              </a:ext>
+            </a:extLst>
+          </p:cNvPr>
+          <p:cNvSpPr>
+            <a:spLocks noGrp="1"/>
+          </p:cNvSpPr>
+          <p:nvPr>
+            <p:ph idx="1"/>
+          </p:nvPr>
+        </p:nvSpPr>
+        <p:spPr/>
+        <p:txBody>
+          <a:bodyPr/>
+          <a:lstStyle/>
+          <a:p>
+            <a:r>
+              <a:rPr lang="de-DE" dirty="0">
+                <a:solidFill>
+                  <a:schemeClr val="bg1">
+                    <a:lumMod val="65000"/>
+                  </a:schemeClr>
+                </a:solidFill>
+              </a:rPr>
+              <a:t>Rückblick</a:t>
+            </a:r>
+          </a:p>
+          <a:p>
+            <a:r>
+              <a:rPr lang="de-DE" dirty="0">
+                <a:solidFill>
+                  <a:schemeClr val="bg1">
+                    <a:lumMod val="65000"/>
+                  </a:schemeClr>
+                </a:solidFill>
+              </a:rPr>
+              <a:t>Jetziger Stand</a:t>
+            </a:r>
+          </a:p>
+          <a:p>
+            <a:r>
+              <a:rPr lang="de-DE" dirty="0"/>
+              <a:t>Software Demo</a:t>
+            </a:r>
+          </a:p>
+          <a:p>
+            <a:endParaRPr lang="de-DE" dirty="0"/>
+          </a:p>
+        </p:txBody>
+      </p:sp>
+    </p:spTree>
+    <p:extLst>
+      <p:ext uri="{BB962C8B-B14F-4D97-AF65-F5344CB8AC3E}">
+        <p14:creationId xmlns:p14="http://schemas.microsoft.com/office/powerpoint/2010/main" val="3387658504"/>
+      </p:ext>
+    </p:extLst>
+  </p:cSld>
+  <p:clrMapOvr>
+    <a:masterClrMapping/>
+  </p:clrMapOvr>
+</p:sld>
+</file>
+
+<file path=ppt/slides/slide11.xml><?xml version="1.0" encoding="utf-8"?>
+<p:sld xmlns:a="http://schemas.openxmlformats.org/drawingml/2006/main" xmlns:r="http://schemas.openxmlformats.org/officeDocument/2006/relationships" xmlns:p="http://schemas.openxmlformats.org/presentationml/2006/main">
+  <p:cSld>
+    <p:spTree>
+      <p:nvGrpSpPr>
+        <p:cNvPr id="1" name=""/>
+        <p:cNvGrpSpPr/>
+        <p:nvPr/>
+      </p:nvGrpSpPr>
+      <p:grpSpPr>
+        <a:xfrm>
+          <a:off x="0" y="0"/>
+          <a:ext cx="0" cy="0"/>
+          <a:chOff x="0" y="0"/>
+          <a:chExt cx="0" cy="0"/>
+        </a:xfrm>
+      </p:grpSpPr>
+      <p:sp>
+        <p:nvSpPr>
+          <p:cNvPr id="4" name="Title 3">
+            <a:extLst>
+              <a:ext uri="{FF2B5EF4-FFF2-40B4-BE49-F238E27FC236}">
+                <a16:creationId xmlns:a16="http://schemas.microsoft.com/office/drawing/2014/main" id="{65D2A829-61A5-4D11-9675-767418496897}"/>
+              </a:ext>
+            </a:extLst>
+          </p:cNvPr>
+          <p:cNvSpPr>
+            <a:spLocks noGrp="1"/>
+          </p:cNvSpPr>
+          <p:nvPr>
+            <p:ph type="title"/>
+          </p:nvPr>
+        </p:nvSpPr>
+        <p:spPr>
+          <a:xfrm>
+            <a:off x="732692" y="2766218"/>
+            <a:ext cx="10515600" cy="1325563"/>
+          </a:xfrm>
+        </p:spPr>
+        <p:txBody>
+          <a:bodyPr/>
+          <a:lstStyle/>
+          <a:p>
+            <a:pPr algn="ctr"/>
+            <a:r>
+              <a:rPr lang="de-DE" dirty="0"/>
+              <a:t>Software Demo</a:t>
+            </a:r>
+          </a:p>
+        </p:txBody>
+      </p:sp>
+    </p:spTree>
+    <p:extLst>
+      <p:ext uri="{BB962C8B-B14F-4D97-AF65-F5344CB8AC3E}">
+        <p14:creationId xmlns:p14="http://schemas.microsoft.com/office/powerpoint/2010/main" val="4070799744"/>
+      </p:ext>
+    </p:extLst>
+  </p:cSld>
+  <p:clrMapOvr>
+    <a:masterClrMapping/>
+  </p:clrMapOvr>
+</p:sld>
+</file>
+
 <file path=ppt/slides/slide2.xml><?xml version="1.0" encoding="utf-8"?>
 <p:sld xmlns:a="http://schemas.openxmlformats.org/drawingml/2006/main" xmlns:r="http://schemas.openxmlformats.org/officeDocument/2006/relationships" xmlns:p="http://schemas.openxmlformats.org/presentationml/2006/main">
   <p:cSld>
@@ -4751,7 +4930,7 @@
           <p:cNvPr id="2" name="Title 1">
             <a:extLst>
               <a:ext uri="{FF2B5EF4-FFF2-40B4-BE49-F238E27FC236}">
-                <a16:creationId xmlns:a16="http://schemas.microsoft.com/office/drawing/2014/main" id="{C697B218-F550-4795-90B7-E1FC28625837}"/>
+                <a16:creationId xmlns:a16="http://schemas.microsoft.com/office/drawing/2014/main" id="{64A8DD9B-4605-4F83-8065-7C24009B6AC7}"/>
               </a:ext>
             </a:extLst>
           </p:cNvPr>
@@ -4769,70 +4948,50 @@
           <a:p>
             <a:r>
               <a:rPr lang="de-DE" dirty="0"/>
-              <a:t>Agenda</a:t>
-            </a:r>
-          </a:p>
-        </p:txBody>
-      </p:sp>
-      <p:sp>
-        <p:nvSpPr>
-          <p:cNvPr id="3" name="Content Placeholder 2">
-            <a:extLst>
-              <a:ext uri="{FF2B5EF4-FFF2-40B4-BE49-F238E27FC236}">
-                <a16:creationId xmlns:a16="http://schemas.microsoft.com/office/drawing/2014/main" id="{27EB1CB9-42D2-440B-BD39-1F41335AC8C8}"/>
-              </a:ext>
-            </a:extLst>
-          </p:cNvPr>
-          <p:cNvSpPr>
-            <a:spLocks noGrp="1"/>
-          </p:cNvSpPr>
+              <a:t>Jetziger Stand</a:t>
+            </a:r>
+          </a:p>
+        </p:txBody>
+      </p:sp>
+      <p:pic>
+        <p:nvPicPr>
+          <p:cNvPr id="7" name="Content Placeholder 6">
+            <a:extLst>
+              <a:ext uri="{FF2B5EF4-FFF2-40B4-BE49-F238E27FC236}">
+                <a16:creationId xmlns:a16="http://schemas.microsoft.com/office/drawing/2014/main" id="{AD11F53A-57EC-407F-B3B8-13DF8239F8D4}"/>
+              </a:ext>
+            </a:extLst>
+          </p:cNvPr>
+          <p:cNvPicPr>
+            <a:picLocks noGrp="1" noChangeAspect="1"/>
+          </p:cNvPicPr>
           <p:nvPr>
             <p:ph idx="1"/>
           </p:nvPr>
-        </p:nvSpPr>
-        <p:spPr/>
-        <p:txBody>
-          <a:bodyPr/>
-          <a:lstStyle/>
-          <a:p>
-            <a:r>
-              <a:rPr lang="de-DE" dirty="0">
-                <a:solidFill>
-                  <a:schemeClr val="bg1">
-                    <a:lumMod val="65000"/>
-                  </a:schemeClr>
-                </a:solidFill>
-              </a:rPr>
-              <a:t>Rückblick</a:t>
-            </a:r>
-          </a:p>
-          <a:p>
-            <a:r>
-              <a:rPr lang="de-DE" dirty="0">
-                <a:solidFill>
-                  <a:schemeClr val="bg1">
-                    <a:lumMod val="65000"/>
-                  </a:schemeClr>
-                </a:solidFill>
-              </a:rPr>
-              <a:t>Jetziger Stand</a:t>
-            </a:r>
-          </a:p>
-          <a:p>
-            <a:r>
-              <a:rPr lang="de-DE" dirty="0"/>
-              <a:t>Software Demo</a:t>
-            </a:r>
-          </a:p>
-          <a:p>
-            <a:endParaRPr lang="de-DE" dirty="0"/>
-          </a:p>
-        </p:txBody>
-      </p:sp>
+        </p:nvPicPr>
+        <p:blipFill>
+          <a:blip r:embed="rId2">
+            <a:extLst>
+              <a:ext uri="{28A0092B-C50C-407E-A947-70E740481C1C}">
+                <a14:useLocalDpi xmlns:a14="http://schemas.microsoft.com/office/drawing/2010/main" val="0"/>
+              </a:ext>
+            </a:extLst>
+          </a:blip>
+          <a:stretch>
+            <a:fillRect/>
+          </a:stretch>
+        </p:blipFill>
+        <p:spPr>
+          <a:xfrm>
+            <a:off x="3038133" y="1825625"/>
+            <a:ext cx="6115733" cy="4351338"/>
+          </a:xfrm>
+        </p:spPr>
+      </p:pic>
     </p:spTree>
     <p:extLst>
       <p:ext uri="{BB962C8B-B14F-4D97-AF65-F5344CB8AC3E}">
-        <p14:creationId xmlns:p14="http://schemas.microsoft.com/office/powerpoint/2010/main" val="3387658504"/>
+        <p14:creationId xmlns:p14="http://schemas.microsoft.com/office/powerpoint/2010/main" val="3166324326"/>
       </p:ext>
     </p:extLst>
   </p:cSld>
@@ -4861,10 +5020,10 @@
       </p:grpSpPr>
       <p:sp>
         <p:nvSpPr>
-          <p:cNvPr id="4" name="Title 3">
-            <a:extLst>
-              <a:ext uri="{FF2B5EF4-FFF2-40B4-BE49-F238E27FC236}">
-                <a16:creationId xmlns:a16="http://schemas.microsoft.com/office/drawing/2014/main" id="{65D2A829-61A5-4D11-9675-767418496897}"/>
+          <p:cNvPr id="2" name="Title 1">
+            <a:extLst>
+              <a:ext uri="{FF2B5EF4-FFF2-40B4-BE49-F238E27FC236}">
+                <a16:creationId xmlns:a16="http://schemas.microsoft.com/office/drawing/2014/main" id="{64A8DD9B-4605-4F83-8065-7C24009B6AC7}"/>
               </a:ext>
             </a:extLst>
           </p:cNvPr>
@@ -4875,28 +5034,57 @@
             <p:ph type="title"/>
           </p:nvPr>
         </p:nvSpPr>
+        <p:spPr/>
+        <p:txBody>
+          <a:bodyPr/>
+          <a:lstStyle/>
+          <a:p>
+            <a:r>
+              <a:rPr lang="de-DE" dirty="0"/>
+              <a:t>Jetziger Stand</a:t>
+            </a:r>
+          </a:p>
+        </p:txBody>
+      </p:sp>
+      <p:pic>
+        <p:nvPicPr>
+          <p:cNvPr id="7" name="Content Placeholder 6">
+            <a:extLst>
+              <a:ext uri="{FF2B5EF4-FFF2-40B4-BE49-F238E27FC236}">
+                <a16:creationId xmlns:a16="http://schemas.microsoft.com/office/drawing/2014/main" id="{B6197130-AEC1-4C3C-ACA9-5D2B5251D5AE}"/>
+              </a:ext>
+            </a:extLst>
+          </p:cNvPr>
+          <p:cNvPicPr>
+            <a:picLocks noGrp="1" noChangeAspect="1"/>
+          </p:cNvPicPr>
+          <p:nvPr>
+            <p:ph idx="1"/>
+          </p:nvPr>
+        </p:nvPicPr>
+        <p:blipFill>
+          <a:blip r:embed="rId2">
+            <a:extLst>
+              <a:ext uri="{28A0092B-C50C-407E-A947-70E740481C1C}">
+                <a14:useLocalDpi xmlns:a14="http://schemas.microsoft.com/office/drawing/2010/main" val="0"/>
+              </a:ext>
+            </a:extLst>
+          </a:blip>
+          <a:stretch>
+            <a:fillRect/>
+          </a:stretch>
+        </p:blipFill>
         <p:spPr>
           <a:xfrm>
-            <a:off x="732692" y="2766218"/>
-            <a:ext cx="10515600" cy="1325563"/>
+            <a:off x="3162339" y="1825625"/>
+            <a:ext cx="5867321" cy="4351338"/>
           </a:xfrm>
         </p:spPr>
-        <p:txBody>
-          <a:bodyPr/>
-          <a:lstStyle/>
-          <a:p>
-            <a:pPr algn="ctr"/>
-            <a:r>
-              <a:rPr lang="de-DE" dirty="0"/>
-              <a:t>Software Demo</a:t>
-            </a:r>
-          </a:p>
-        </p:txBody>
-      </p:sp>
+      </p:pic>
     </p:spTree>
     <p:extLst>
       <p:ext uri="{BB962C8B-B14F-4D97-AF65-F5344CB8AC3E}">
-        <p14:creationId xmlns:p14="http://schemas.microsoft.com/office/powerpoint/2010/main" val="4070799744"/>
+        <p14:creationId xmlns:p14="http://schemas.microsoft.com/office/powerpoint/2010/main" val="680756098"/>
       </p:ext>
     </p:extLst>
   </p:cSld>

--- a/presentation/praesi.pptx
+++ b/presentation/praesi.pptx
@@ -323,7 +323,7 @@
           <a:p>
             <a:fld id="{28616AAD-E67F-4C01-8248-063DC26999C0}" type="slidenum">
               <a:rPr lang="en-US" smtClean="0"/>
-              <a:t>‹#›</a:t>
+              <a:t>‹Nr.›</a:t>
             </a:fld>
             <a:endParaRPr lang="en-US"/>
           </a:p>
@@ -521,7 +521,7 @@
           <a:p>
             <a:fld id="{28616AAD-E67F-4C01-8248-063DC26999C0}" type="slidenum">
               <a:rPr lang="en-US" smtClean="0"/>
-              <a:t>‹#›</a:t>
+              <a:t>‹Nr.›</a:t>
             </a:fld>
             <a:endParaRPr lang="en-US"/>
           </a:p>
@@ -729,7 +729,7 @@
           <a:p>
             <a:fld id="{28616AAD-E67F-4C01-8248-063DC26999C0}" type="slidenum">
               <a:rPr lang="en-US" smtClean="0"/>
-              <a:t>‹#›</a:t>
+              <a:t>‹Nr.›</a:t>
             </a:fld>
             <a:endParaRPr lang="en-US"/>
           </a:p>
@@ -927,7 +927,7 @@
           <a:p>
             <a:fld id="{28616AAD-E67F-4C01-8248-063DC26999C0}" type="slidenum">
               <a:rPr lang="en-US" smtClean="0"/>
-              <a:t>‹#›</a:t>
+              <a:t>‹Nr.›</a:t>
             </a:fld>
             <a:endParaRPr lang="en-US"/>
           </a:p>
@@ -1202,7 +1202,7 @@
           <a:p>
             <a:fld id="{28616AAD-E67F-4C01-8248-063DC26999C0}" type="slidenum">
               <a:rPr lang="en-US" smtClean="0"/>
-              <a:t>‹#›</a:t>
+              <a:t>‹Nr.›</a:t>
             </a:fld>
             <a:endParaRPr lang="en-US"/>
           </a:p>
@@ -1467,7 +1467,7 @@
           <a:p>
             <a:fld id="{28616AAD-E67F-4C01-8248-063DC26999C0}" type="slidenum">
               <a:rPr lang="en-US" smtClean="0"/>
-              <a:t>‹#›</a:t>
+              <a:t>‹Nr.›</a:t>
             </a:fld>
             <a:endParaRPr lang="en-US"/>
           </a:p>
@@ -1879,7 +1879,7 @@
           <a:p>
             <a:fld id="{28616AAD-E67F-4C01-8248-063DC26999C0}" type="slidenum">
               <a:rPr lang="en-US" smtClean="0"/>
-              <a:t>‹#›</a:t>
+              <a:t>‹Nr.›</a:t>
             </a:fld>
             <a:endParaRPr lang="en-US"/>
           </a:p>
@@ -2020,7 +2020,7 @@
           <a:p>
             <a:fld id="{28616AAD-E67F-4C01-8248-063DC26999C0}" type="slidenum">
               <a:rPr lang="en-US" smtClean="0"/>
-              <a:t>‹#›</a:t>
+              <a:t>‹Nr.›</a:t>
             </a:fld>
             <a:endParaRPr lang="en-US"/>
           </a:p>
@@ -2133,7 +2133,7 @@
           <a:p>
             <a:fld id="{28616AAD-E67F-4C01-8248-063DC26999C0}" type="slidenum">
               <a:rPr lang="en-US" smtClean="0"/>
-              <a:t>‹#›</a:t>
+              <a:t>‹Nr.›</a:t>
             </a:fld>
             <a:endParaRPr lang="en-US"/>
           </a:p>
@@ -2444,7 +2444,7 @@
           <a:p>
             <a:fld id="{28616AAD-E67F-4C01-8248-063DC26999C0}" type="slidenum">
               <a:rPr lang="en-US" smtClean="0"/>
-              <a:t>‹#›</a:t>
+              <a:t>‹Nr.›</a:t>
             </a:fld>
             <a:endParaRPr lang="en-US"/>
           </a:p>
@@ -2732,7 +2732,7 @@
           <a:p>
             <a:fld id="{28616AAD-E67F-4C01-8248-063DC26999C0}" type="slidenum">
               <a:rPr lang="en-US" smtClean="0"/>
-              <a:t>‹#›</a:t>
+              <a:t>‹Nr.›</a:t>
             </a:fld>
             <a:endParaRPr lang="en-US"/>
           </a:p>
@@ -3009,7 +3009,7 @@
           <a:p>
             <a:fld id="{28616AAD-E67F-4C01-8248-063DC26999C0}" type="slidenum">
               <a:rPr lang="en-US" smtClean="0"/>
-              <a:t>‹#›</a:t>
+              <a:t>‹Nr.›</a:t>
             </a:fld>
             <a:endParaRPr lang="en-US"/>
           </a:p>
@@ -4412,7 +4412,7 @@
                                           </p:stCondLst>
                                         </p:cTn>
                                         <p:tgtEl>
-                                          <p:spTgt spid="1034"/>
+                                          <p:spTgt spid="21"/>
                                         </p:tgtEl>
                                         <p:attrNameLst>
                                           <p:attrName>style.visibility</p:attrName>
@@ -4439,7 +4439,7 @@
                                           </p:stCondLst>
                                         </p:cTn>
                                         <p:tgtEl>
-                                          <p:spTgt spid="1026"/>
+                                          <p:spTgt spid="22"/>
                                         </p:tgtEl>
                                         <p:attrNameLst>
                                           <p:attrName>style.visibility</p:attrName>
@@ -4466,7 +4466,7 @@
                                           </p:stCondLst>
                                         </p:cTn>
                                         <p:tgtEl>
-                                          <p:spTgt spid="1030"/>
+                                          <p:spTgt spid="23"/>
                                         </p:tgtEl>
                                         <p:attrNameLst>
                                           <p:attrName>style.visibility</p:attrName>
@@ -4493,7 +4493,52 @@
                                           </p:stCondLst>
                                         </p:cTn>
                                         <p:tgtEl>
-                                          <p:spTgt spid="6"/>
+                                          <p:spTgt spid="1052"/>
+                                        </p:tgtEl>
+                                        <p:attrNameLst>
+                                          <p:attrName>style.visibility</p:attrName>
+                                        </p:attrNameLst>
+                                      </p:cBhvr>
+                                      <p:to>
+                                        <p:strVal val="visible"/>
+                                      </p:to>
+                                    </p:set>
+                                  </p:childTnLst>
+                                </p:cTn>
+                              </p:par>
+                            </p:childTnLst>
+                          </p:cTn>
+                        </p:par>
+                      </p:childTnLst>
+                    </p:cTn>
+                  </p:par>
+                  <p:par>
+                    <p:cTn id="13" fill="hold">
+                      <p:stCondLst>
+                        <p:cond delay="indefinite"/>
+                      </p:stCondLst>
+                      <p:childTnLst>
+                        <p:par>
+                          <p:cTn id="14" fill="hold">
+                            <p:stCondLst>
+                              <p:cond delay="0"/>
+                            </p:stCondLst>
+                            <p:childTnLst>
+                              <p:par>
+                                <p:cTn id="15" presetID="1" presetClass="entr" presetSubtype="0" fill="hold" nodeType="clickEffect">
+                                  <p:stCondLst>
+                                    <p:cond delay="0"/>
+                                  </p:stCondLst>
+                                  <p:childTnLst>
+                                    <p:set>
+                                      <p:cBhvr>
+                                        <p:cTn id="16" dur="1" fill="hold">
+                                          <p:stCondLst>
+                                            <p:cond delay="0"/>
+                                          </p:stCondLst>
+                                        </p:cTn>
+                                        <p:tgtEl>
+                                          <p:spTgt spid="1026"/>
                                         </p:tgtEl>
                                         <p:attrNameLst>
                                           <p:attrName>style.visibility</p:attrName>
@@ -4507,14 +4552,41 @@
                                 </p:cTn>
                               </p:par>
                               <p:par>
-                                <p:cTn id="13" presetID="1" presetClass="entr" presetSubtype="0" fill="hold" nodeType="withEffect">
+                                <p:cTn id="17" presetID="1" presetClass="entr" presetSubtype="0" fill="hold" nodeType="withEffect">
                                   <p:stCondLst>
                                     <p:cond delay="0"/>
                                   </p:stCondLst>
                                   <p:childTnLst>
                                     <p:set>
                                       <p:cBhvr>
-                                        <p:cTn id="14" dur="1" fill="hold">
+                                        <p:cTn id="18" dur="1" fill="hold">
+                                          <p:stCondLst>
+                                            <p:cond delay="0"/>
+                                          </p:stCondLst>
+                                        </p:cTn>
+                                        <p:tgtEl>
+                                          <p:spTgt spid="1034"/>
+                                        </p:tgtEl>
+                                        <p:attrNameLst>
+                                          <p:attrName>style.visibility</p:attrName>
+                                        </p:attrNameLst>
+                                      </p:cBhvr>
+                                      <p:to>
+                                        <p:strVal val="visible"/>
+                                      </p:to>
+                                    </p:set>
+                                  </p:childTnLst>
+                                </p:cTn>
+                              </p:par>
+                              <p:par>
+                                <p:cTn id="19" presetID="1" presetClass="entr" presetSubtype="0" fill="hold" nodeType="withEffect">
+                                  <p:stCondLst>
+                                    <p:cond delay="0"/>
+                                  </p:stCondLst>
+                                  <p:childTnLst>
+                                    <p:set>
+                                      <p:cBhvr>
+                                        <p:cTn id="20" dur="1" fill="hold">
                                           <p:stCondLst>
                                             <p:cond delay="0"/>
                                           </p:stCondLst>
@@ -4534,14 +4606,68 @@
                                 </p:cTn>
                               </p:par>
                               <p:par>
-                                <p:cTn id="15" presetID="1" presetClass="entr" presetSubtype="0" fill="hold" nodeType="withEffect">
+                                <p:cTn id="21" presetID="1" presetClass="entr" presetSubtype="0" fill="hold" nodeType="withEffect">
                                   <p:stCondLst>
                                     <p:cond delay="0"/>
                                   </p:stCondLst>
                                   <p:childTnLst>
                                     <p:set>
                                       <p:cBhvr>
-                                        <p:cTn id="16" dur="1" fill="hold">
+                                        <p:cTn id="22" dur="1" fill="hold">
+                                          <p:stCondLst>
+                                            <p:cond delay="0"/>
+                                          </p:stCondLst>
+                                        </p:cTn>
+                                        <p:tgtEl>
+                                          <p:spTgt spid="1030"/>
+                                        </p:tgtEl>
+                                        <p:attrNameLst>
+                                          <p:attrName>style.visibility</p:attrName>
+                                        </p:attrNameLst>
+                                      </p:cBhvr>
+                                      <p:to>
+                                        <p:strVal val="visible"/>
+                                      </p:to>
+                                    </p:set>
+                                  </p:childTnLst>
+                                </p:cTn>
+                              </p:par>
+                              <p:par>
+                                <p:cTn id="23" presetID="1" presetClass="entr" presetSubtype="0" fill="hold" nodeType="withEffect">
+                                  <p:stCondLst>
+                                    <p:cond delay="0"/>
+                                  </p:stCondLst>
+                                  <p:childTnLst>
+                                    <p:set>
+                                      <p:cBhvr>
+                                        <p:cTn id="24" dur="1" fill="hold">
+                                          <p:stCondLst>
+                                            <p:cond delay="0"/>
+                                          </p:stCondLst>
+                                        </p:cTn>
+                                        <p:tgtEl>
+                                          <p:spTgt spid="6"/>
+                                        </p:tgtEl>
+                                        <p:attrNameLst>
+                                          <p:attrName>style.visibility</p:attrName>
+                                        </p:attrNameLst>
+                                      </p:cBhvr>
+                                      <p:to>
+                                        <p:strVal val="visible"/>
+                                      </p:to>
+                                    </p:set>
+                                  </p:childTnLst>
+                                </p:cTn>
+                              </p:par>
+                              <p:par>
+                                <p:cTn id="25" presetID="1" presetClass="entr" presetSubtype="0" fill="hold" nodeType="withEffect">
+                                  <p:stCondLst>
+                                    <p:cond delay="0"/>
+                                  </p:stCondLst>
+                                  <p:childTnLst>
+                                    <p:set>
+                                      <p:cBhvr>
+                                        <p:cTn id="26" dur="1" fill="hold">
                                           <p:stCondLst>
                                             <p:cond delay="0"/>
                                           </p:stCondLst>
